--- a/面試資料/王威翔履歷.pptx
+++ b/面試資料/王威翔履歷.pptx
@@ -5,12 +5,13 @@
     <p:sldMasterId id="2147485196" r:id="rId1"/>
   </p:sldMasterIdLst>
   <p:notesMasterIdLst>
-    <p:notesMasterId r:id="rId5"/>
+    <p:notesMasterId r:id="rId6"/>
   </p:notesMasterIdLst>
   <p:sldIdLst>
     <p:sldId id="256" r:id="rId2"/>
     <p:sldId id="257" r:id="rId3"/>
     <p:sldId id="258" r:id="rId4"/>
+    <p:sldId id="259" r:id="rId5"/>
   </p:sldIdLst>
   <p:sldSz cx="7561263" cy="10440988"/>
   <p:notesSz cx="6735763" cy="9866313"/>
@@ -4436,7 +4437,7 @@
                 <a:latin typeface="微軟正黑體" panose="020B0604030504040204" pitchFamily="34" charset="-120"/>
                 <a:ea typeface="微軟正黑體" panose="020B0604030504040204" pitchFamily="34" charset="-120"/>
               </a:rPr>
-              <a:t>連絡電話：</a:t>
+              <a:t>聯絡電話：</a:t>
             </a:r>
             <a:r>
               <a:rPr lang="en-US" altLang="zh-TW" sz="1300" b="1" dirty="0">
@@ -4627,7 +4628,7 @@
                 <a:latin typeface="微軟正黑體" panose="020B0604030504040204" pitchFamily="34" charset="-120"/>
                 <a:ea typeface="微軟正黑體" panose="020B0604030504040204" pitchFamily="34" charset="-120"/>
               </a:rPr>
-              <a:t>就業養成班</a:t>
+              <a:t>就業養成班 </a:t>
             </a:r>
             <a:r>
               <a:rPr lang="en-US" altLang="zh-TW" sz="1600" b="1" dirty="0">
@@ -5337,8 +5338,8 @@
         </p:nvSpPr>
         <p:spPr>
           <a:xfrm>
-            <a:off x="686123" y="7884790"/>
-            <a:ext cx="6491165" cy="2135025"/>
+            <a:off x="635059" y="7884790"/>
+            <a:ext cx="6491165" cy="2211969"/>
           </a:xfrm>
           <a:prstGeom prst="rect">
             <a:avLst/>
@@ -5468,7 +5469,7 @@
                 <a:latin typeface="微軟正黑體" panose="020B0604030504040204" pitchFamily="34" charset="-120"/>
                 <a:ea typeface="微軟正黑體" panose="020B0604030504040204" pitchFamily="34" charset="-120"/>
               </a:rPr>
-              <a:t>，幫助修課學生除錯，協助老師改良課程內容安排</a:t>
+              <a:t>，幫助修課學生除錯，協助教授改良課程內容</a:t>
             </a:r>
             <a:endParaRPr lang="en-US" altLang="zh-TW" sz="1200" b="1" dirty="0">
               <a:latin typeface="微軟正黑體" panose="020B0604030504040204" pitchFamily="34" charset="-120"/>
@@ -5481,7 +5482,7 @@
                 <a:spcPts val="2400"/>
               </a:lnSpc>
               <a:spcBef>
-                <a:spcPts val="600"/>
+                <a:spcPts val="1200"/>
               </a:spcBef>
             </a:pPr>
             <a:r>
@@ -6527,10 +6528,10 @@
                 <a:ea typeface="微軟正黑體" panose="020B0604030504040204" pitchFamily="34" charset="-120"/>
                 <a:cs typeface="Arial" panose="020B0604020202020204" pitchFamily="34" charset="0"/>
               </a:rPr>
-              <a:t>框架來增加專案安全性</a:t>
-            </a:r>
-            <a:r>
-              <a:rPr lang="zh-TW" altLang="en-US" sz="1200" b="1" kern="100" spc="75">
+              <a:t>框架來增加專案安全性。長期目標是跨足其它程式語言，學習當紅框架，包括</a:t>
+            </a:r>
+            <a:r>
+              <a:rPr lang="en-US" altLang="zh-TW" sz="1200" b="1" kern="100" spc="75" dirty="0">
                 <a:solidFill>
                   <a:schemeClr val="tx1">
                     <a:lumMod val="65000"/>
@@ -6542,7 +6543,7 @@
                 <a:ea typeface="微軟正黑體" panose="020B0604030504040204" pitchFamily="34" charset="-120"/>
                 <a:cs typeface="Arial" panose="020B0604020202020204" pitchFamily="34" charset="0"/>
               </a:rPr>
-              <a:t>。長期目標是跨</a:t>
+              <a:t>C#</a:t>
             </a:r>
             <a:r>
               <a:rPr lang="zh-TW" altLang="en-US" sz="1200" b="1" kern="100" spc="75" dirty="0">
@@ -6557,10 +6558,10 @@
                 <a:ea typeface="微軟正黑體" panose="020B0604030504040204" pitchFamily="34" charset="-120"/>
                 <a:cs typeface="Arial" panose="020B0604020202020204" pitchFamily="34" charset="0"/>
               </a:rPr>
-              <a:t>足其它程式語言</a:t>
-            </a:r>
-            <a:r>
-              <a:rPr lang="zh-TW" altLang="en-US" sz="1200" b="1" kern="100" spc="75">
+              <a:t>的</a:t>
+            </a:r>
+            <a:r>
+              <a:rPr lang="en-US" altLang="zh-TW" sz="1200" b="1" kern="100" spc="75" dirty="0" err="1">
                 <a:solidFill>
                   <a:schemeClr val="tx1">
                     <a:lumMod val="65000"/>
@@ -6572,7 +6573,7 @@
                 <a:ea typeface="微軟正黑體" panose="020B0604030504040204" pitchFamily="34" charset="-120"/>
                 <a:cs typeface="Arial" panose="020B0604020202020204" pitchFamily="34" charset="0"/>
               </a:rPr>
-              <a:t>，學習當</a:t>
+              <a:t>.Net</a:t>
             </a:r>
             <a:r>
               <a:rPr lang="zh-TW" altLang="en-US" sz="1200" b="1" kern="100" spc="75" dirty="0">
@@ -6587,7 +6588,7 @@
                 <a:ea typeface="微軟正黑體" panose="020B0604030504040204" pitchFamily="34" charset="-120"/>
                 <a:cs typeface="Arial" panose="020B0604020202020204" pitchFamily="34" charset="0"/>
               </a:rPr>
-              <a:t>紅框架，包括</a:t>
+              <a:t>以及</a:t>
             </a:r>
             <a:r>
               <a:rPr lang="en-US" altLang="zh-TW" sz="1200" b="1" kern="100" spc="75" dirty="0">
@@ -6602,7 +6603,7 @@
                 <a:ea typeface="微軟正黑體" panose="020B0604030504040204" pitchFamily="34" charset="-120"/>
                 <a:cs typeface="Arial" panose="020B0604020202020204" pitchFamily="34" charset="0"/>
               </a:rPr>
-              <a:t>C#</a:t>
+              <a:t>Python</a:t>
             </a:r>
             <a:r>
               <a:rPr lang="zh-TW" altLang="en-US" sz="1200" b="1" kern="100" spc="75" dirty="0">
@@ -6620,7 +6621,7 @@
               <a:t>的</a:t>
             </a:r>
             <a:r>
-              <a:rPr lang="en-US" altLang="zh-TW" sz="1200" b="1" kern="100" spc="75" dirty="0" err="1">
+              <a:rPr lang="en-US" altLang="zh-TW" sz="1200" b="1" kern="100" spc="75" dirty="0">
                 <a:solidFill>
                   <a:schemeClr val="tx1">
                     <a:lumMod val="65000"/>
@@ -6632,7 +6633,7 @@
                 <a:ea typeface="微軟正黑體" panose="020B0604030504040204" pitchFamily="34" charset="-120"/>
                 <a:cs typeface="Arial" panose="020B0604020202020204" pitchFamily="34" charset="0"/>
               </a:rPr>
-              <a:t>.Net</a:t>
+              <a:t>Django</a:t>
             </a:r>
             <a:r>
               <a:rPr lang="zh-TW" altLang="en-US" sz="1200" b="1" kern="100" spc="75" dirty="0">
@@ -6647,7 +6648,7 @@
                 <a:ea typeface="微軟正黑體" panose="020B0604030504040204" pitchFamily="34" charset="-120"/>
                 <a:cs typeface="Arial" panose="020B0604020202020204" pitchFamily="34" charset="0"/>
               </a:rPr>
-              <a:t>以及</a:t>
+              <a:t>與</a:t>
             </a:r>
             <a:r>
               <a:rPr lang="en-US" altLang="zh-TW" sz="1200" b="1" kern="100" spc="75" dirty="0">
@@ -6662,7 +6663,7 @@
                 <a:ea typeface="微軟正黑體" panose="020B0604030504040204" pitchFamily="34" charset="-120"/>
                 <a:cs typeface="Arial" panose="020B0604020202020204" pitchFamily="34" charset="0"/>
               </a:rPr>
-              <a:t>Python</a:t>
+              <a:t>Flask</a:t>
             </a:r>
             <a:r>
               <a:rPr lang="zh-TW" altLang="en-US" sz="1200" b="1" kern="100" spc="75" dirty="0">
@@ -6677,22 +6678,21 @@
                 <a:ea typeface="微軟正黑體" panose="020B0604030504040204" pitchFamily="34" charset="-120"/>
                 <a:cs typeface="Arial" panose="020B0604020202020204" pitchFamily="34" charset="0"/>
               </a:rPr>
-              <a:t>的</a:t>
-            </a:r>
-            <a:r>
-              <a:rPr lang="en-US" altLang="zh-TW" sz="1200" b="1" kern="100" spc="75" dirty="0">
+              <a:t>，以</a:t>
+            </a:r>
+            <a:r>
+              <a:rPr lang="zh-TW" altLang="en-US" sz="1200" b="1" kern="100" spc="75" dirty="0">
                 <a:solidFill>
                   <a:schemeClr val="tx1">
                     <a:lumMod val="65000"/>
                     <a:lumOff val="35000"/>
                   </a:schemeClr>
                 </a:solidFill>
-                <a:effectLst/>
                 <a:latin typeface="微軟正黑體" panose="020B0604030504040204" pitchFamily="34" charset="-120"/>
                 <a:ea typeface="微軟正黑體" panose="020B0604030504040204" pitchFamily="34" charset="-120"/>
                 <a:cs typeface="Arial" panose="020B0604020202020204" pitchFamily="34" charset="0"/>
               </a:rPr>
-              <a:t>Django</a:t>
+              <a:t>提升</a:t>
             </a:r>
             <a:r>
               <a:rPr lang="zh-TW" altLang="en-US" sz="1200" b="1" kern="100" spc="75" dirty="0">
@@ -6707,37 +6707,7 @@
                 <a:ea typeface="微軟正黑體" panose="020B0604030504040204" pitchFamily="34" charset="-120"/>
                 <a:cs typeface="Arial" panose="020B0604020202020204" pitchFamily="34" charset="0"/>
               </a:rPr>
-              <a:t>與</a:t>
-            </a:r>
-            <a:r>
-              <a:rPr lang="en-US" altLang="zh-TW" sz="1200" b="1" kern="100" spc="75" dirty="0">
-                <a:solidFill>
-                  <a:schemeClr val="tx1">
-                    <a:lumMod val="65000"/>
-                    <a:lumOff val="35000"/>
-                  </a:schemeClr>
-                </a:solidFill>
-                <a:effectLst/>
-                <a:latin typeface="微軟正黑體" panose="020B0604030504040204" pitchFamily="34" charset="-120"/>
-                <a:ea typeface="微軟正黑體" panose="020B0604030504040204" pitchFamily="34" charset="-120"/>
-                <a:cs typeface="Arial" panose="020B0604020202020204" pitchFamily="34" charset="0"/>
-              </a:rPr>
-              <a:t>Flask</a:t>
-            </a:r>
-            <a:r>
-              <a:rPr lang="zh-TW" altLang="en-US" sz="1200" b="1" kern="100" spc="75" dirty="0">
-                <a:solidFill>
-                  <a:schemeClr val="tx1">
-                    <a:lumMod val="65000"/>
-                    <a:lumOff val="35000"/>
-                  </a:schemeClr>
-                </a:solidFill>
-                <a:effectLst/>
-                <a:latin typeface="微軟正黑體" panose="020B0604030504040204" pitchFamily="34" charset="-120"/>
-                <a:ea typeface="微軟正黑體" panose="020B0604030504040204" pitchFamily="34" charset="-120"/>
-                <a:cs typeface="Arial" panose="020B0604020202020204" pitchFamily="34" charset="0"/>
-              </a:rPr>
-              <a:t>，以增加網路開發專業能力的深度與廣度。</a:t>
+              <a:t>網路開發專業能力的深度與廣度。</a:t>
             </a:r>
             <a:endParaRPr lang="en-US" altLang="zh-TW" sz="1000" b="1" dirty="0">
               <a:solidFill>
@@ -6794,7 +6764,7 @@
         </p:nvSpPr>
         <p:spPr>
           <a:xfrm>
-            <a:off x="541784" y="539197"/>
+            <a:off x="571090" y="552055"/>
             <a:ext cx="6529948" cy="2056790"/>
           </a:xfrm>
         </p:spPr>
@@ -6871,7 +6841,7 @@
               </a:spcBef>
             </a:pPr>
             <a:r>
-              <a:rPr lang="en-US" altLang="zh-TW" sz="1300" b="1" dirty="0">
+              <a:rPr lang="en-US" altLang="zh-TW" sz="1200" b="1" dirty="0">
                 <a:solidFill>
                   <a:schemeClr val="bg2">
                     <a:lumMod val="50000"/>
@@ -6883,7 +6853,7 @@
               <a:t>Phone Number:</a:t>
             </a:r>
             <a:r>
-              <a:rPr lang="zh-TW" altLang="en-US" sz="1300" b="1" dirty="0">
+              <a:rPr lang="zh-TW" altLang="en-US" sz="1200" b="1" dirty="0">
                 <a:solidFill>
                   <a:schemeClr val="bg2">
                     <a:lumMod val="50000"/>
@@ -6895,7 +6865,7 @@
               <a:t> </a:t>
             </a:r>
             <a:r>
-              <a:rPr lang="en-US" altLang="zh-TW" sz="1300" b="1" dirty="0">
+              <a:rPr lang="en-US" altLang="zh-TW" sz="1200" b="1" dirty="0">
                 <a:solidFill>
                   <a:schemeClr val="bg2">
                     <a:lumMod val="50000"/>
@@ -6917,7 +6887,7 @@
               </a:spcBef>
             </a:pPr>
             <a:r>
-              <a:rPr lang="en-US" altLang="zh-TW" sz="1300" b="1" dirty="0">
+              <a:rPr lang="en-US" altLang="zh-TW" sz="1200" b="1" dirty="0">
                 <a:solidFill>
                   <a:schemeClr val="bg2">
                     <a:lumMod val="50000"/>
@@ -6939,7 +6909,7 @@
         </p:nvSpPr>
         <p:spPr>
           <a:xfrm>
-            <a:off x="515657" y="5674869"/>
+            <a:off x="515657" y="5703929"/>
             <a:ext cx="6529948" cy="1207142"/>
           </a:xfrm>
           <a:prstGeom prst="rect">
@@ -7159,7 +7129,7 @@
         </p:nvSpPr>
         <p:spPr>
           <a:xfrm>
-            <a:off x="561176" y="2915038"/>
+            <a:off x="545169" y="2969746"/>
             <a:ext cx="3094469" cy="2479286"/>
           </a:xfrm>
           <a:prstGeom prst="rect">
@@ -7526,7 +7496,7 @@
         </p:nvSpPr>
         <p:spPr>
           <a:xfrm>
-            <a:off x="3806758" y="2915038"/>
+            <a:off x="3838309" y="2969746"/>
             <a:ext cx="3189308" cy="2453638"/>
           </a:xfrm>
           <a:prstGeom prst="rect">
@@ -8395,6 +8365,86 @@
     <p:extLst>
       <p:ext uri="{BB962C8B-B14F-4D97-AF65-F5344CB8AC3E}">
         <p14:creationId xmlns:p14="http://schemas.microsoft.com/office/powerpoint/2010/main" val="358847276"/>
+      </p:ext>
+    </p:extLst>
+  </p:cSld>
+  <p:clrMapOvr>
+    <a:masterClrMapping/>
+  </p:clrMapOvr>
+</p:sld>
+</file>
+
+<file path=ppt/slides/slide4.xml><?xml version="1.0" encoding="utf-8"?>
+<p:sld xmlns:a="http://schemas.openxmlformats.org/drawingml/2006/main" xmlns:r="http://schemas.openxmlformats.org/officeDocument/2006/relationships" xmlns:p="http://schemas.openxmlformats.org/presentationml/2006/main">
+  <p:cSld>
+    <p:spTree>
+      <p:nvGrpSpPr>
+        <p:cNvPr id="1" name=""/>
+        <p:cNvGrpSpPr/>
+        <p:nvPr/>
+      </p:nvGrpSpPr>
+      <p:grpSpPr>
+        <a:xfrm>
+          <a:off x="0" y="0"/>
+          <a:ext cx="0" cy="0"/>
+          <a:chOff x="0" y="0"/>
+          <a:chExt cx="0" cy="0"/>
+        </a:xfrm>
+      </p:grpSpPr>
+      <p:sp>
+        <p:nvSpPr>
+          <p:cNvPr id="2" name="標題 1">
+            <a:extLst>
+              <a:ext uri="{FF2B5EF4-FFF2-40B4-BE49-F238E27FC236}">
+                <a16:creationId xmlns:a16="http://schemas.microsoft.com/office/drawing/2014/main" id="{6A0E2FD9-EC11-4AE9-4FEA-B3DBD8FE7061}"/>
+              </a:ext>
+            </a:extLst>
+          </p:cNvPr>
+          <p:cNvSpPr>
+            <a:spLocks noGrp="1"/>
+          </p:cNvSpPr>
+          <p:nvPr>
+            <p:ph type="title"/>
+          </p:nvPr>
+        </p:nvSpPr>
+        <p:spPr/>
+        <p:txBody>
+          <a:bodyPr/>
+          <a:lstStyle/>
+          <a:p>
+            <a:endParaRPr lang="zh-TW" altLang="en-US"/>
+          </a:p>
+        </p:txBody>
+      </p:sp>
+      <p:sp>
+        <p:nvSpPr>
+          <p:cNvPr id="3" name="內容版面配置區 2">
+            <a:extLst>
+              <a:ext uri="{FF2B5EF4-FFF2-40B4-BE49-F238E27FC236}">
+                <a16:creationId xmlns:a16="http://schemas.microsoft.com/office/drawing/2014/main" id="{C6D60370-BF3E-736C-8FB8-73AD69BDEDBC}"/>
+              </a:ext>
+            </a:extLst>
+          </p:cNvPr>
+          <p:cNvSpPr>
+            <a:spLocks noGrp="1"/>
+          </p:cNvSpPr>
+          <p:nvPr>
+            <p:ph idx="1"/>
+          </p:nvPr>
+        </p:nvSpPr>
+        <p:spPr/>
+        <p:txBody>
+          <a:bodyPr/>
+          <a:lstStyle/>
+          <a:p>
+            <a:endParaRPr lang="zh-TW" altLang="en-US"/>
+          </a:p>
+        </p:txBody>
+      </p:sp>
+    </p:spTree>
+    <p:extLst>
+      <p:ext uri="{BB962C8B-B14F-4D97-AF65-F5344CB8AC3E}">
+        <p14:creationId xmlns:p14="http://schemas.microsoft.com/office/powerpoint/2010/main" val="2781397591"/>
       </p:ext>
     </p:extLst>
   </p:cSld>

--- a/面試資料/王威翔履歷.pptx
+++ b/面試資料/王威翔履歷.pptx
@@ -5,13 +5,12 @@
     <p:sldMasterId id="2147485196" r:id="rId1"/>
   </p:sldMasterIdLst>
   <p:notesMasterIdLst>
-    <p:notesMasterId r:id="rId6"/>
+    <p:notesMasterId r:id="rId5"/>
   </p:notesMasterIdLst>
   <p:sldIdLst>
     <p:sldId id="256" r:id="rId2"/>
     <p:sldId id="257" r:id="rId3"/>
     <p:sldId id="258" r:id="rId4"/>
-    <p:sldId id="259" r:id="rId5"/>
   </p:sldIdLst>
   <p:sldSz cx="7561263" cy="10440988"/>
   <p:notesSz cx="6735763" cy="9866313"/>
@@ -8365,86 +8364,6 @@
     <p:extLst>
       <p:ext uri="{BB962C8B-B14F-4D97-AF65-F5344CB8AC3E}">
         <p14:creationId xmlns:p14="http://schemas.microsoft.com/office/powerpoint/2010/main" val="358847276"/>
-      </p:ext>
-    </p:extLst>
-  </p:cSld>
-  <p:clrMapOvr>
-    <a:masterClrMapping/>
-  </p:clrMapOvr>
-</p:sld>
-</file>
-
-<file path=ppt/slides/slide4.xml><?xml version="1.0" encoding="utf-8"?>
-<p:sld xmlns:a="http://schemas.openxmlformats.org/drawingml/2006/main" xmlns:r="http://schemas.openxmlformats.org/officeDocument/2006/relationships" xmlns:p="http://schemas.openxmlformats.org/presentationml/2006/main">
-  <p:cSld>
-    <p:spTree>
-      <p:nvGrpSpPr>
-        <p:cNvPr id="1" name=""/>
-        <p:cNvGrpSpPr/>
-        <p:nvPr/>
-      </p:nvGrpSpPr>
-      <p:grpSpPr>
-        <a:xfrm>
-          <a:off x="0" y="0"/>
-          <a:ext cx="0" cy="0"/>
-          <a:chOff x="0" y="0"/>
-          <a:chExt cx="0" cy="0"/>
-        </a:xfrm>
-      </p:grpSpPr>
-      <p:sp>
-        <p:nvSpPr>
-          <p:cNvPr id="2" name="標題 1">
-            <a:extLst>
-              <a:ext uri="{FF2B5EF4-FFF2-40B4-BE49-F238E27FC236}">
-                <a16:creationId xmlns:a16="http://schemas.microsoft.com/office/drawing/2014/main" id="{6A0E2FD9-EC11-4AE9-4FEA-B3DBD8FE7061}"/>
-              </a:ext>
-            </a:extLst>
-          </p:cNvPr>
-          <p:cNvSpPr>
-            <a:spLocks noGrp="1"/>
-          </p:cNvSpPr>
-          <p:nvPr>
-            <p:ph type="title"/>
-          </p:nvPr>
-        </p:nvSpPr>
-        <p:spPr/>
-        <p:txBody>
-          <a:bodyPr/>
-          <a:lstStyle/>
-          <a:p>
-            <a:endParaRPr lang="zh-TW" altLang="en-US"/>
-          </a:p>
-        </p:txBody>
-      </p:sp>
-      <p:sp>
-        <p:nvSpPr>
-          <p:cNvPr id="3" name="內容版面配置區 2">
-            <a:extLst>
-              <a:ext uri="{FF2B5EF4-FFF2-40B4-BE49-F238E27FC236}">
-                <a16:creationId xmlns:a16="http://schemas.microsoft.com/office/drawing/2014/main" id="{C6D60370-BF3E-736C-8FB8-73AD69BDEDBC}"/>
-              </a:ext>
-            </a:extLst>
-          </p:cNvPr>
-          <p:cNvSpPr>
-            <a:spLocks noGrp="1"/>
-          </p:cNvSpPr>
-          <p:nvPr>
-            <p:ph idx="1"/>
-          </p:nvPr>
-        </p:nvSpPr>
-        <p:spPr/>
-        <p:txBody>
-          <a:bodyPr/>
-          <a:lstStyle/>
-          <a:p>
-            <a:endParaRPr lang="zh-TW" altLang="en-US"/>
-          </a:p>
-        </p:txBody>
-      </p:sp>
-    </p:spTree>
-    <p:extLst>
-      <p:ext uri="{BB962C8B-B14F-4D97-AF65-F5344CB8AC3E}">
-        <p14:creationId xmlns:p14="http://schemas.microsoft.com/office/powerpoint/2010/main" val="2781397591"/>
       </p:ext>
     </p:extLst>
   </p:cSld>

--- a/面試資料/王威翔履歷.pptx
+++ b/面試資料/王威翔履歷.pptx
@@ -210,7 +210,7 @@
           <a:p>
             <a:fld id="{E9ADEB47-42BB-439B-995F-027CDFB6F534}" type="datetimeFigureOut">
               <a:rPr lang="zh-TW" altLang="en-US" smtClean="0"/>
-              <a:t>2023/3/25</a:t>
+              <a:t>2023/3/27</a:t>
             </a:fld>
             <a:endParaRPr lang="zh-TW" altLang="en-US"/>
           </a:p>
@@ -891,7 +891,7 @@
           <a:p>
             <a:fld id="{C85EB870-0884-4E4C-AAD6-AB08C89102B6}" type="datetimeFigureOut">
               <a:rPr lang="zh-TW" altLang="en-US" smtClean="0"/>
-              <a:t>2023/3/25</a:t>
+              <a:t>2023/3/27</a:t>
             </a:fld>
             <a:endParaRPr lang="zh-TW" altLang="en-US"/>
           </a:p>
@@ -1089,7 +1089,7 @@
           <a:p>
             <a:fld id="{C85EB870-0884-4E4C-AAD6-AB08C89102B6}" type="datetimeFigureOut">
               <a:rPr lang="zh-TW" altLang="en-US" smtClean="0"/>
-              <a:t>2023/3/25</a:t>
+              <a:t>2023/3/27</a:t>
             </a:fld>
             <a:endParaRPr lang="zh-TW" altLang="en-US"/>
           </a:p>
@@ -1297,7 +1297,7 @@
           <a:p>
             <a:fld id="{C85EB870-0884-4E4C-AAD6-AB08C89102B6}" type="datetimeFigureOut">
               <a:rPr lang="zh-TW" altLang="en-US" smtClean="0"/>
-              <a:t>2023/3/25</a:t>
+              <a:t>2023/3/27</a:t>
             </a:fld>
             <a:endParaRPr lang="zh-TW" altLang="en-US"/>
           </a:p>
@@ -1495,7 +1495,7 @@
           <a:p>
             <a:fld id="{C85EB870-0884-4E4C-AAD6-AB08C89102B6}" type="datetimeFigureOut">
               <a:rPr lang="zh-TW" altLang="en-US" smtClean="0"/>
-              <a:t>2023/3/25</a:t>
+              <a:t>2023/3/27</a:t>
             </a:fld>
             <a:endParaRPr lang="zh-TW" altLang="en-US"/>
           </a:p>
@@ -1770,7 +1770,7 @@
           <a:p>
             <a:fld id="{C85EB870-0884-4E4C-AAD6-AB08C89102B6}" type="datetimeFigureOut">
               <a:rPr lang="zh-TW" altLang="en-US" smtClean="0"/>
-              <a:t>2023/3/25</a:t>
+              <a:t>2023/3/27</a:t>
             </a:fld>
             <a:endParaRPr lang="zh-TW" altLang="en-US"/>
           </a:p>
@@ -2035,7 +2035,7 @@
           <a:p>
             <a:fld id="{C85EB870-0884-4E4C-AAD6-AB08C89102B6}" type="datetimeFigureOut">
               <a:rPr lang="zh-TW" altLang="en-US" smtClean="0"/>
-              <a:t>2023/3/25</a:t>
+              <a:t>2023/3/27</a:t>
             </a:fld>
             <a:endParaRPr lang="zh-TW" altLang="en-US"/>
           </a:p>
@@ -2447,7 +2447,7 @@
           <a:p>
             <a:fld id="{C85EB870-0884-4E4C-AAD6-AB08C89102B6}" type="datetimeFigureOut">
               <a:rPr lang="zh-TW" altLang="en-US" smtClean="0"/>
-              <a:t>2023/3/25</a:t>
+              <a:t>2023/3/27</a:t>
             </a:fld>
             <a:endParaRPr lang="zh-TW" altLang="en-US"/>
           </a:p>
@@ -2588,7 +2588,7 @@
           <a:p>
             <a:fld id="{C85EB870-0884-4E4C-AAD6-AB08C89102B6}" type="datetimeFigureOut">
               <a:rPr lang="zh-TW" altLang="en-US" smtClean="0"/>
-              <a:t>2023/3/25</a:t>
+              <a:t>2023/3/27</a:t>
             </a:fld>
             <a:endParaRPr lang="zh-TW" altLang="en-US"/>
           </a:p>
@@ -2701,7 +2701,7 @@
           <a:p>
             <a:fld id="{C85EB870-0884-4E4C-AAD6-AB08C89102B6}" type="datetimeFigureOut">
               <a:rPr lang="zh-TW" altLang="en-US" smtClean="0"/>
-              <a:t>2023/3/25</a:t>
+              <a:t>2023/3/27</a:t>
             </a:fld>
             <a:endParaRPr lang="zh-TW" altLang="en-US"/>
           </a:p>
@@ -3012,7 +3012,7 @@
           <a:p>
             <a:fld id="{C85EB870-0884-4E4C-AAD6-AB08C89102B6}" type="datetimeFigureOut">
               <a:rPr lang="zh-TW" altLang="en-US" smtClean="0"/>
-              <a:t>2023/3/25</a:t>
+              <a:t>2023/3/27</a:t>
             </a:fld>
             <a:endParaRPr lang="zh-TW" altLang="en-US"/>
           </a:p>
@@ -3300,7 +3300,7 @@
           <a:p>
             <a:fld id="{C85EB870-0884-4E4C-AAD6-AB08C89102B6}" type="datetimeFigureOut">
               <a:rPr lang="zh-TW" altLang="en-US" smtClean="0"/>
-              <a:t>2023/3/25</a:t>
+              <a:t>2023/3/27</a:t>
             </a:fld>
             <a:endParaRPr lang="zh-TW" altLang="en-US"/>
           </a:p>
@@ -3541,7 +3541,7 @@
           <a:p>
             <a:fld id="{C85EB870-0884-4E4C-AAD6-AB08C89102B6}" type="datetimeFigureOut">
               <a:rPr lang="zh-TW" altLang="en-US" smtClean="0"/>
-              <a:t>2023/3/25</a:t>
+              <a:t>2023/3/27</a:t>
             </a:fld>
             <a:endParaRPr lang="zh-TW" altLang="en-US"/>
           </a:p>
@@ -3970,8 +3970,8 @@
         </p:nvSpPr>
         <p:spPr>
           <a:xfrm>
-            <a:off x="2700511" y="609763"/>
-            <a:ext cx="4608512" cy="2713688"/>
+            <a:off x="2700511" y="609762"/>
+            <a:ext cx="4608512" cy="3170571"/>
           </a:xfrm>
         </p:spPr>
         <p:txBody>
@@ -4493,9 +4493,132 @@
                 </a:solidFill>
                 <a:latin typeface="微軟正黑體" panose="020B0604030504040204" pitchFamily="34" charset="-120"/>
                 <a:ea typeface="微軟正黑體" panose="020B0604030504040204" pitchFamily="34" charset="-120"/>
+                <a:hlinkClick r:id="rId3"/>
               </a:rPr>
               <a:t>henry940129@gmail.com</a:t>
             </a:r>
+            <a:endParaRPr lang="en-US" altLang="zh-TW" sz="1300" b="1" dirty="0">
+              <a:solidFill>
+                <a:schemeClr val="bg2">
+                  <a:lumMod val="50000"/>
+                </a:schemeClr>
+              </a:solidFill>
+              <a:latin typeface="微軟正黑體" panose="020B0604030504040204" pitchFamily="34" charset="-120"/>
+              <a:ea typeface="微軟正黑體" panose="020B0604030504040204" pitchFamily="34" charset="-120"/>
+            </a:endParaRPr>
+          </a:p>
+          <a:p>
+            <a:pPr algn="just">
+              <a:lnSpc>
+                <a:spcPts val="2000"/>
+              </a:lnSpc>
+              <a:spcBef>
+                <a:spcPts val="0"/>
+              </a:spcBef>
+            </a:pPr>
+            <a:r>
+              <a:rPr lang="zh-TW" altLang="en-US" sz="1300" b="1" dirty="0">
+                <a:solidFill>
+                  <a:schemeClr val="bg2">
+                    <a:lumMod val="50000"/>
+                  </a:schemeClr>
+                </a:solidFill>
+                <a:latin typeface="微軟正黑體" panose="020B0604030504040204" pitchFamily="34" charset="-120"/>
+                <a:ea typeface="微軟正黑體" panose="020B0604030504040204" pitchFamily="34" charset="-120"/>
+              </a:rPr>
+              <a:t>生日</a:t>
+            </a:r>
+            <a:r>
+              <a:rPr lang="en-US" altLang="zh-TW" sz="1300" b="1" dirty="0">
+                <a:solidFill>
+                  <a:schemeClr val="bg2">
+                    <a:lumMod val="50000"/>
+                  </a:schemeClr>
+                </a:solidFill>
+                <a:latin typeface="微軟正黑體" panose="020B0604030504040204" pitchFamily="34" charset="-120"/>
+                <a:ea typeface="微軟正黑體" panose="020B0604030504040204" pitchFamily="34" charset="-120"/>
+              </a:rPr>
+              <a:t>:</a:t>
+            </a:r>
+            <a:r>
+              <a:rPr lang="zh-TW" altLang="en-US" sz="1300" b="1" dirty="0">
+                <a:solidFill>
+                  <a:schemeClr val="bg2">
+                    <a:lumMod val="50000"/>
+                  </a:schemeClr>
+                </a:solidFill>
+                <a:latin typeface="微軟正黑體" panose="020B0604030504040204" pitchFamily="34" charset="-120"/>
+                <a:ea typeface="微軟正黑體" panose="020B0604030504040204" pitchFamily="34" charset="-120"/>
+              </a:rPr>
+              <a:t> </a:t>
+            </a:r>
+            <a:r>
+              <a:rPr lang="en-US" altLang="zh-TW" sz="1300" b="1" dirty="0">
+                <a:solidFill>
+                  <a:schemeClr val="bg2">
+                    <a:lumMod val="50000"/>
+                  </a:schemeClr>
+                </a:solidFill>
+                <a:latin typeface="微軟正黑體" panose="020B0604030504040204" pitchFamily="34" charset="-120"/>
+                <a:ea typeface="微軟正黑體" panose="020B0604030504040204" pitchFamily="34" charset="-120"/>
+              </a:rPr>
+              <a:t>1999/08/15</a:t>
+            </a:r>
+          </a:p>
+          <a:p>
+            <a:pPr algn="just">
+              <a:lnSpc>
+                <a:spcPts val="2000"/>
+              </a:lnSpc>
+              <a:spcBef>
+                <a:spcPts val="0"/>
+              </a:spcBef>
+            </a:pPr>
+            <a:r>
+              <a:rPr lang="zh-TW" altLang="en-US" sz="1300" b="1" dirty="0">
+                <a:solidFill>
+                  <a:schemeClr val="bg2">
+                    <a:lumMod val="50000"/>
+                  </a:schemeClr>
+                </a:solidFill>
+                <a:latin typeface="微軟正黑體" panose="020B0604030504040204" pitchFamily="34" charset="-120"/>
+                <a:ea typeface="微軟正黑體" panose="020B0604030504040204" pitchFamily="34" charset="-120"/>
+              </a:rPr>
+              <a:t>住址</a:t>
+            </a:r>
+            <a:r>
+              <a:rPr lang="en-US" altLang="zh-TW" sz="1300" b="1" dirty="0">
+                <a:solidFill>
+                  <a:schemeClr val="bg2">
+                    <a:lumMod val="50000"/>
+                  </a:schemeClr>
+                </a:solidFill>
+                <a:latin typeface="微軟正黑體" panose="020B0604030504040204" pitchFamily="34" charset="-120"/>
+                <a:ea typeface="微軟正黑體" panose="020B0604030504040204" pitchFamily="34" charset="-120"/>
+              </a:rPr>
+              <a:t>:</a:t>
+            </a:r>
+            <a:r>
+              <a:rPr lang="zh-TW" altLang="en-US" sz="1300" b="1" dirty="0">
+                <a:solidFill>
+                  <a:schemeClr val="bg2">
+                    <a:lumMod val="50000"/>
+                  </a:schemeClr>
+                </a:solidFill>
+                <a:latin typeface="微軟正黑體" panose="020B0604030504040204" pitchFamily="34" charset="-120"/>
+                <a:ea typeface="微軟正黑體" panose="020B0604030504040204" pitchFamily="34" charset="-120"/>
+              </a:rPr>
+              <a:t> 臺北市大安區</a:t>
+            </a:r>
+            <a:endParaRPr lang="en-US" altLang="zh-TW" sz="1300" b="1" dirty="0">
+              <a:solidFill>
+                <a:schemeClr val="bg2">
+                  <a:lumMod val="50000"/>
+                </a:schemeClr>
+              </a:solidFill>
+              <a:latin typeface="微軟正黑體" panose="020B0604030504040204" pitchFamily="34" charset="-120"/>
+              <a:ea typeface="微軟正黑體" panose="020B0604030504040204" pitchFamily="34" charset="-120"/>
+            </a:endParaRPr>
           </a:p>
         </p:txBody>
       </p:sp>
@@ -4756,7 +4879,7 @@
           <p:nvPr/>
         </p:nvPicPr>
         <p:blipFill>
-          <a:blip r:embed="rId3" cstate="print">
+          <a:blip r:embed="rId4" cstate="print">
             <a:extLst>
               <a:ext uri="{28A0092B-C50C-407E-A947-70E740481C1C}">
                 <a14:useLocalDpi xmlns:a14="http://schemas.microsoft.com/office/drawing/2010/main" val="0"/>
@@ -6764,7 +6887,7 @@
         <p:spPr>
           <a:xfrm>
             <a:off x="571090" y="552055"/>
-            <a:ext cx="6529948" cy="2056790"/>
+            <a:ext cx="6529948" cy="2162794"/>
           </a:xfrm>
         </p:spPr>
         <p:txBody>
@@ -6873,7 +6996,7 @@
                 <a:latin typeface="微軟正黑體" panose="020B0604030504040204" pitchFamily="34" charset="-120"/>
                 <a:ea typeface="微軟正黑體" panose="020B0604030504040204" pitchFamily="34" charset="-120"/>
               </a:rPr>
-              <a:t>+886-988-285-329    </a:t>
+              <a:t>+886-988-285-329	Birthday: 1999/08/15</a:t>
             </a:r>
           </a:p>
           <a:p>
@@ -6895,7 +7018,56 @@
                 <a:latin typeface="微軟正黑體" panose="020B0604030504040204" pitchFamily="34" charset="-120"/>
                 <a:ea typeface="微軟正黑體" panose="020B0604030504040204" pitchFamily="34" charset="-120"/>
               </a:rPr>
-              <a:t>Email: henry940129@gmail.com</a:t>
+              <a:t>Email: </a:t>
+            </a:r>
+            <a:r>
+              <a:rPr lang="en-US" altLang="zh-TW" sz="1200" b="1" dirty="0">
+                <a:solidFill>
+                  <a:schemeClr val="bg2">
+                    <a:lumMod val="50000"/>
+                  </a:schemeClr>
+                </a:solidFill>
+                <a:latin typeface="微軟正黑體" panose="020B0604030504040204" pitchFamily="34" charset="-120"/>
+                <a:ea typeface="微軟正黑體" panose="020B0604030504040204" pitchFamily="34" charset="-120"/>
+                <a:hlinkClick r:id="rId3"/>
+              </a:rPr>
+              <a:t>henry940129@gmail.com</a:t>
+            </a:r>
+            <a:r>
+              <a:rPr lang="en-US" altLang="zh-TW" sz="1200" b="1" dirty="0">
+                <a:solidFill>
+                  <a:schemeClr val="bg2">
+                    <a:lumMod val="50000"/>
+                  </a:schemeClr>
+                </a:solidFill>
+                <a:latin typeface="微軟正黑體" panose="020B0604030504040204" pitchFamily="34" charset="-120"/>
+                <a:ea typeface="微軟正黑體" panose="020B0604030504040204" pitchFamily="34" charset="-120"/>
+              </a:rPr>
+              <a:t>	Address: </a:t>
+            </a:r>
+            <a:r>
+              <a:rPr lang="en-US" altLang="zh-TW" sz="1200" b="1">
+                <a:solidFill>
+                  <a:schemeClr val="bg2">
+                    <a:lumMod val="50000"/>
+                  </a:schemeClr>
+                </a:solidFill>
+                <a:latin typeface="微軟正黑體" panose="020B0604030504040204" pitchFamily="34" charset="-120"/>
+                <a:ea typeface="微軟正黑體" panose="020B0604030504040204" pitchFamily="34" charset="-120"/>
+              </a:rPr>
+              <a:t>Da’an</a:t>
+            </a:r>
+            <a:r>
+              <a:rPr lang="en-US" altLang="zh-TW" sz="1200" b="1" dirty="0">
+                <a:solidFill>
+                  <a:schemeClr val="bg2">
+                    <a:lumMod val="50000"/>
+                  </a:schemeClr>
+                </a:solidFill>
+                <a:latin typeface="微軟正黑體" panose="020B0604030504040204" pitchFamily="34" charset="-120"/>
+                <a:ea typeface="微軟正黑體" panose="020B0604030504040204" pitchFamily="34" charset="-120"/>
+              </a:rPr>
+              <a:t> District, Taipei City</a:t>
             </a:r>
           </a:p>
         </p:txBody>
